--- a/4주차/20240805-업무보고-공수빈.pptx
+++ b/4주차/20240805-업무보고-공수빈.pptx
@@ -156,6 +156,43 @@
 </p:cmAuthorLst>
 </file>
 
+<file path=ppt/revisionInfo.xml><?xml version="1.0" encoding="utf-8"?>
+<p1510:revInfo xmlns:a="http://schemas.openxmlformats.org/drawingml/2006/main" xmlns:r="http://schemas.openxmlformats.org/officeDocument/2006/relationships" xmlns:p1510="http://schemas.microsoft.com/office/powerpoint/2015/10/main">
+  <p1510:revLst>
+    <p1510:client id="{2DD94F3F-C39B-4D85-97E8-9465BCF11AD5}" v="3" dt="2024-08-06T07:07:12.886"/>
+  </p1510:revLst>
+</p1510:revInfo>
+</file>
+
+<file path=ppt/changesInfos/changesInfo1.xml><?xml version="1.0" encoding="utf-8"?>
+<pc:chgInfo xmlns:a="http://schemas.openxmlformats.org/drawingml/2006/main" xmlns:r="http://schemas.openxmlformats.org/officeDocument/2006/relationships" xmlns:ac="http://schemas.microsoft.com/office/drawing/2013/main/command" xmlns:pc="http://schemas.microsoft.com/office/powerpoint/2013/main/command">
+  <pc:docChgLst>
+    <pc:chgData name="공수빈 공" userId="2cd6323d84169e4a" providerId="LiveId" clId="{2DD94F3F-C39B-4D85-97E8-9465BCF11AD5}"/>
+    <pc:docChg chg="modSld">
+      <pc:chgData name="공수빈 공" userId="2cd6323d84169e4a" providerId="LiveId" clId="{2DD94F3F-C39B-4D85-97E8-9465BCF11AD5}" dt="2024-08-06T07:07:12.886" v="4"/>
+      <pc:docMkLst>
+        <pc:docMk/>
+      </pc:docMkLst>
+      <pc:sldChg chg="addSp modSp mod">
+        <pc:chgData name="공수빈 공" userId="2cd6323d84169e4a" providerId="LiveId" clId="{2DD94F3F-C39B-4D85-97E8-9465BCF11AD5}" dt="2024-08-06T07:07:12.886" v="4"/>
+        <pc:sldMkLst>
+          <pc:docMk/>
+          <pc:sldMk cId="996670963" sldId="279"/>
+        </pc:sldMkLst>
+        <pc:spChg chg="add mod">
+          <ac:chgData name="공수빈 공" userId="2cd6323d84169e4a" providerId="LiveId" clId="{2DD94F3F-C39B-4D85-97E8-9465BCF11AD5}" dt="2024-08-06T07:07:12.886" v="4"/>
+          <ac:spMkLst>
+            <pc:docMk/>
+            <pc:sldMk cId="996670963" sldId="279"/>
+            <ac:spMk id="2" creationId="{A528E51A-303F-860B-1C2B-0E4D9D76B8F3}"/>
+          </ac:spMkLst>
+        </pc:spChg>
+      </pc:sldChg>
+    </pc:docChg>
+  </pc:docChgLst>
+</pc:chgInfo>
+</file>
+
 <file path=ppt/notesMasters/notesMaster1.xml><?xml version="1.0" encoding="utf-8"?>
 <p:notesMaster xmlns:a="http://schemas.openxmlformats.org/drawingml/2006/main" xmlns:r="http://schemas.openxmlformats.org/officeDocument/2006/relationships" xmlns:p="http://schemas.openxmlformats.org/presentationml/2006/main">
   <p:cSld>
@@ -238,7 +275,7 @@
           <a:p>
             <a:fld id="{C46BCAF9-5F2D-4F48-B1AF-1220F287178D}" type="datetimeFigureOut">
               <a:rPr lang="ko-KR" altLang="en-US" smtClean="0"/>
-              <a:t>2024-08-05</a:t>
+              <a:t>2024-08-06</a:t>
             </a:fld>
             <a:endParaRPr lang="ko-KR" altLang="en-US"/>
           </a:p>
@@ -3493,7 +3530,7 @@
                 </a:solidFill>
               </a:rPr>
               <a:pPr/>
-              <a:t>2024-08-05</a:t>
+              <a:t>2024-08-06</a:t>
             </a:fld>
             <a:endParaRPr lang="ko-KR" altLang="en-US">
               <a:solidFill>
@@ -3693,7 +3730,7 @@
                 </a:solidFill>
               </a:rPr>
               <a:pPr/>
-              <a:t>2024-08-05</a:t>
+              <a:t>2024-08-06</a:t>
             </a:fld>
             <a:endParaRPr lang="ko-KR" altLang="en-US">
               <a:solidFill>
@@ -3903,7 +3940,7 @@
                 </a:solidFill>
               </a:rPr>
               <a:pPr/>
-              <a:t>2024-08-05</a:t>
+              <a:t>2024-08-06</a:t>
             </a:fld>
             <a:endParaRPr lang="ko-KR" altLang="en-US">
               <a:solidFill>
@@ -4103,7 +4140,7 @@
                 </a:solidFill>
               </a:rPr>
               <a:pPr/>
-              <a:t>2024-08-05</a:t>
+              <a:t>2024-08-06</a:t>
             </a:fld>
             <a:endParaRPr lang="ko-KR" altLang="en-US">
               <a:solidFill>
@@ -4380,7 +4417,7 @@
                 </a:solidFill>
               </a:rPr>
               <a:pPr/>
-              <a:t>2024-08-05</a:t>
+              <a:t>2024-08-06</a:t>
             </a:fld>
             <a:endParaRPr lang="ko-KR" altLang="en-US">
               <a:solidFill>
@@ -4641,7 +4678,7 @@
                 </a:solidFill>
               </a:rPr>
               <a:pPr/>
-              <a:t>2024-08-05</a:t>
+              <a:t>2024-08-06</a:t>
             </a:fld>
             <a:endParaRPr lang="ko-KR" altLang="en-US">
               <a:solidFill>
@@ -5037,7 +5074,7 @@
                 </a:solidFill>
               </a:rPr>
               <a:pPr/>
-              <a:t>2024-08-05</a:t>
+              <a:t>2024-08-06</a:t>
             </a:fld>
             <a:endParaRPr lang="ko-KR" altLang="en-US">
               <a:solidFill>
@@ -5186,7 +5223,7 @@
                 </a:solidFill>
               </a:rPr>
               <a:pPr/>
-              <a:t>2024-08-05</a:t>
+              <a:t>2024-08-06</a:t>
             </a:fld>
             <a:endParaRPr lang="ko-KR" altLang="en-US">
               <a:solidFill>
@@ -5313,7 +5350,7 @@
                 </a:solidFill>
               </a:rPr>
               <a:pPr/>
-              <a:t>2024-08-05</a:t>
+              <a:t>2024-08-06</a:t>
             </a:fld>
             <a:endParaRPr lang="ko-KR" altLang="en-US">
               <a:solidFill>
@@ -5620,7 +5657,7 @@
                 </a:solidFill>
               </a:rPr>
               <a:pPr/>
-              <a:t>2024-08-05</a:t>
+              <a:t>2024-08-06</a:t>
             </a:fld>
             <a:endParaRPr lang="ko-KR" altLang="en-US">
               <a:solidFill>
@@ -5904,7 +5941,7 @@
                 </a:solidFill>
               </a:rPr>
               <a:pPr/>
-              <a:t>2024-08-05</a:t>
+              <a:t>2024-08-06</a:t>
             </a:fld>
             <a:endParaRPr lang="ko-KR" altLang="en-US">
               <a:solidFill>
@@ -6165,7 +6202,7 @@
                 </a:solidFill>
               </a:rPr>
               <a:pPr/>
-              <a:t>2024-08-05</a:t>
+              <a:t>2024-08-06</a:t>
             </a:fld>
             <a:endParaRPr lang="ko-KR" altLang="en-US">
               <a:solidFill>
@@ -17039,7 +17076,7 @@
             </a:ln>
             <a:extLst>
               <a:ext uri="{C572A759-6A51-4108-AA02-DFA0A04FC94B}">
-                <ma14:wrappingTextBoxFlag xmlns="" xmlns:ma14="http://schemas.microsoft.com/office/mac/drawingml/2011/main" xmlns:a14="http://schemas.microsoft.com/office/drawing/2010/main" xmlns:m="http://schemas.openxmlformats.org/officeDocument/2006/math" val="1"/>
+                <ma14:wrappingTextBoxFlag xmlns:m="http://schemas.openxmlformats.org/officeDocument/2006/math" xmlns:a14="http://schemas.microsoft.com/office/drawing/2010/main" xmlns:ma14="http://schemas.microsoft.com/office/mac/drawingml/2011/main" xmlns="" val="1"/>
               </a:ext>
             </a:extLst>
           </p:spPr>
@@ -32938,6 +32975,42 @@
           </a:p>
         </p:txBody>
       </p:sp>
+      <p:sp>
+        <p:nvSpPr>
+          <p:cNvPr id="2" name="TextBox 1">
+            <a:extLst>
+              <a:ext uri="{FF2B5EF4-FFF2-40B4-BE49-F238E27FC236}">
+                <a16:creationId xmlns:a16="http://schemas.microsoft.com/office/drawing/2014/main" id="{A528E51A-303F-860B-1C2B-0E4D9D76B8F3}"/>
+              </a:ext>
+            </a:extLst>
+          </p:cNvPr>
+          <p:cNvSpPr txBox="1"/>
+          <p:nvPr/>
+        </p:nvSpPr>
+        <p:spPr>
+          <a:xfrm>
+            <a:off x="12485077" y="439615"/>
+            <a:ext cx="415498" cy="369332"/>
+          </a:xfrm>
+          <a:prstGeom prst="rect">
+            <a:avLst/>
+          </a:prstGeom>
+          <a:noFill/>
+        </p:spPr>
+        <p:txBody>
+          <a:bodyPr wrap="none" rtlCol="0">
+            <a:spAutoFit/>
+          </a:bodyPr>
+          <a:lstStyle/>
+          <a:p>
+            <a:r>
+              <a:rPr lang="ko-KR" altLang="en-US" dirty="0" err="1"/>
+              <a:t>ㅇ</a:t>
+            </a:r>
+            <a:endParaRPr lang="ko-KR" altLang="en-US" dirty="0"/>
+          </a:p>
+        </p:txBody>
+      </p:sp>
     </p:spTree>
     <p:extLst>
       <p:ext uri="{BB962C8B-B14F-4D97-AF65-F5344CB8AC3E}">
